--- a/Project_1_brief_20180414.pptx
+++ b/Project_1_brief_20180414.pptx
@@ -236,7 +236,7 @@
           <a:p>
             <a:fld id="{0999263A-BAC5-4D80-BFD0-AC2D6BB4047E}" type="datetimeFigureOut">
               <a:rPr lang="en-US" smtClean="0"/>
-              <a:t>4/14/18</a:t>
+              <a:t>4/19/2018</a:t>
             </a:fld>
             <a:endParaRPr lang="en-US" dirty="0"/>
           </a:p>
@@ -401,7 +401,7 @@
           <a:p>
             <a:fld id="{06D49085-1C19-4B6B-9C83-EC22BA6906B8}" type="datetimeFigureOut">
               <a:rPr lang="en-US"/>
-              <a:t>4/14/18</a:t>
+              <a:t>4/19/2018</a:t>
             </a:fld>
             <a:endParaRPr lang="en-US" dirty="0"/>
           </a:p>
@@ -1130,7 +1130,7 @@
           <a:p>
             <a:fld id="{870C2C60-CA09-4936-BAA8-13CFEF5A169C}" type="datetime2">
               <a:rPr lang="en-US" smtClean="0"/>
-              <a:t>Saturday, April 14, 2018</a:t>
+              <a:t>Thursday, April 19, 2018</a:t>
             </a:fld>
             <a:endParaRPr lang="en-US" dirty="0"/>
           </a:p>
@@ -1492,7 +1492,7 @@
           <a:p>
             <a:fld id="{2AA612D8-565B-43C8-92C1-16DFDC78A3CD}" type="datetime2">
               <a:rPr lang="en-US" smtClean="0"/>
-              <a:t>Saturday, April 14, 2018</a:t>
+              <a:t>Thursday, April 19, 2018</a:t>
             </a:fld>
             <a:endParaRPr lang="en-US" dirty="0"/>
           </a:p>
@@ -2117,7 +2117,7 @@
           <a:p>
             <a:fld id="{F2DDC6DF-4141-4790-9D36-99CA537BDC91}" type="datetime2">
               <a:rPr lang="en-US" smtClean="0"/>
-              <a:t>Saturday, April 14, 2018</a:t>
+              <a:t>Thursday, April 19, 2018</a:t>
             </a:fld>
             <a:endParaRPr lang="en-US" dirty="0"/>
           </a:p>
@@ -2316,7 +2316,7 @@
           <a:p>
             <a:fld id="{17098260-0341-4551-9DC4-7B5326D45C3C}" type="datetime2">
               <a:rPr lang="en-US" smtClean="0"/>
-              <a:t>Saturday, April 14, 2018</a:t>
+              <a:t>Thursday, April 19, 2018</a:t>
             </a:fld>
             <a:endParaRPr lang="en-US" dirty="0"/>
           </a:p>
@@ -2888,7 +2888,7 @@
           <a:p>
             <a:fld id="{B19AD5A8-BE2E-4A51-9B6F-087765A79CEA}" type="datetime2">
               <a:rPr lang="en-US" smtClean="0"/>
-              <a:t>Saturday, April 14, 2018</a:t>
+              <a:t>Thursday, April 19, 2018</a:t>
             </a:fld>
             <a:endParaRPr lang="en-US" dirty="0"/>
           </a:p>
@@ -3301,7 +3301,7 @@
           <a:p>
             <a:fld id="{98291630-BFB2-4F1D-9C36-7C8CCD1661FB}" type="datetime2">
               <a:rPr lang="en-US" smtClean="0"/>
-              <a:t>Saturday, April 14, 2018</a:t>
+              <a:t>Thursday, April 19, 2018</a:t>
             </a:fld>
             <a:endParaRPr lang="en-US" dirty="0"/>
           </a:p>
@@ -3640,7 +3640,7 @@
           <a:p>
             <a:fld id="{1AE1304A-138B-4A82-B21E-B3E7866DAD8B}" type="datetime2">
               <a:rPr lang="en-US" smtClean="0"/>
-              <a:t>Saturday, April 14, 2018</a:t>
+              <a:t>Thursday, April 19, 2018</a:t>
             </a:fld>
             <a:endParaRPr lang="en-US" dirty="0"/>
           </a:p>
@@ -3899,7 +3899,7 @@
           <a:p>
             <a:fld id="{3B0E78BF-BCB4-43AA-846A-07EFEC0261AC}" type="datetime2">
               <a:rPr lang="en-US" smtClean="0"/>
-              <a:t>Saturday, April 14, 2018</a:t>
+              <a:t>Thursday, April 19, 2018</a:t>
             </a:fld>
             <a:endParaRPr lang="en-US" dirty="0"/>
           </a:p>
@@ -4204,7 +4204,7 @@
           <a:p>
             <a:fld id="{5FD6FA7F-CF8F-4783-9DE6-2D6149E8CE72}" type="datetime2">
               <a:rPr lang="en-US" smtClean="0"/>
-              <a:t>Saturday, April 14, 2018</a:t>
+              <a:t>Thursday, April 19, 2018</a:t>
             </a:fld>
             <a:endParaRPr lang="en-US" dirty="0"/>
           </a:p>
@@ -4524,7 +4524,7 @@
           <a:p>
             <a:fld id="{196DB839-D84A-4580-A32E-5A8DC3E81840}" type="datetime2">
               <a:rPr lang="en-US" smtClean="0"/>
-              <a:t>Saturday, April 14, 2018</a:t>
+              <a:t>Thursday, April 19, 2018</a:t>
             </a:fld>
             <a:endParaRPr lang="en-US" dirty="0"/>
           </a:p>
@@ -4921,7 +4921,7 @@
           <a:p>
             <a:fld id="{F17AFFDC-E01A-4CE9-93A5-BA504AC9E3FA}" type="datetime2">
               <a:rPr lang="en-US" smtClean="0"/>
-              <a:t>Saturday, April 14, 2018</a:t>
+              <a:t>Thursday, April 19, 2018</a:t>
             </a:fld>
             <a:endParaRPr lang="en-US" dirty="0"/>
           </a:p>
@@ -5277,7 +5277,7 @@
           <a:p>
             <a:fld id="{E9E847BA-684D-4B46-A1F5-A983D0F7644F}" type="datetime2">
               <a:rPr lang="en-US" smtClean="0"/>
-              <a:t>Saturday, April 14, 2018</a:t>
+              <a:t>Thursday, April 19, 2018</a:t>
             </a:fld>
             <a:endParaRPr lang="en-US" dirty="0"/>
           </a:p>
@@ -5598,7 +5598,7 @@
           <a:p>
             <a:fld id="{A76B8158-20FB-42CB-B6FE-7E7DFB2BC6B1}" type="datetime2">
               <a:rPr lang="en-US" smtClean="0"/>
-              <a:t>Saturday, April 14, 2018</a:t>
+              <a:t>Thursday, April 19, 2018</a:t>
             </a:fld>
             <a:endParaRPr lang="en-US" dirty="0"/>
           </a:p>
@@ -5928,7 +5928,7 @@
           <a:p>
             <a:fld id="{D0BF8D16-7C02-4F8B-A9D0-32A5F2DAD757}" type="datetime2">
               <a:rPr lang="en-US" smtClean="0"/>
-              <a:t>Saturday, April 14, 2018</a:t>
+              <a:t>Thursday, April 19, 2018</a:t>
             </a:fld>
             <a:endParaRPr lang="en-US" dirty="0"/>
           </a:p>
@@ -6220,7 +6220,7 @@
           <a:p>
             <a:fld id="{036DBF91-8394-4ED5-BE68-17C02EFB66A9}" type="datetime2">
               <a:rPr lang="en-US" smtClean="0"/>
-              <a:t>Saturday, April 14, 2018</a:t>
+              <a:t>Thursday, April 19, 2018</a:t>
             </a:fld>
             <a:endParaRPr lang="en-US" dirty="0"/>
           </a:p>
@@ -6533,7 +6533,7 @@
           <a:p>
             <a:fld id="{C3B284D7-5B03-4FF9-85DA-02A7C7CC8AF0}" type="datetime2">
               <a:rPr lang="en-US" smtClean="0"/>
-              <a:t>Saturday, April 14, 2018</a:t>
+              <a:t>Thursday, April 19, 2018</a:t>
             </a:fld>
             <a:endParaRPr lang="en-US" dirty="0"/>
           </a:p>
@@ -6821,7 +6821,7 @@
           <a:p>
             <a:fld id="{911F445A-7C0B-4801-A23C-6A6CA9532527}" type="datetime2">
               <a:rPr lang="en-US" smtClean="0"/>
-              <a:t>Saturday, April 14, 2018</a:t>
+              <a:t>Thursday, April 19, 2018</a:t>
             </a:fld>
             <a:endParaRPr lang="en-US" dirty="0"/>
           </a:p>
@@ -7741,7 +7741,7 @@
           <a:p>
             <a:fld id="{F17AFFDC-E01A-4CE9-93A5-BA504AC9E3FA}" type="datetime2">
               <a:rPr lang="en-US" smtClean="0"/>
-              <a:t>Saturday, April 14, 2018</a:t>
+              <a:t>Thursday, April 19, 2018</a:t>
             </a:fld>
             <a:endParaRPr lang="en-US" dirty="0"/>
           </a:p>
@@ -8031,7 +8031,7 @@
           <a:p>
             <a:fld id="{5FD6FA7F-CF8F-4783-9DE6-2D6149E8CE72}" type="datetime2">
               <a:rPr lang="en-US" smtClean="0"/>
-              <a:t>Saturday, April 14, 2018</a:t>
+              <a:t>Thursday, April 19, 2018</a:t>
             </a:fld>
             <a:endParaRPr lang="en-US" dirty="0"/>
           </a:p>
@@ -8246,7 +8246,7 @@
           <a:p>
             <a:fld id="{5FD6FA7F-CF8F-4783-9DE6-2D6149E8CE72}" type="datetime2">
               <a:rPr lang="en-US" smtClean="0"/>
-              <a:t>Saturday, April 14, 2018</a:t>
+              <a:t>Thursday, April 19, 2018</a:t>
             </a:fld>
             <a:endParaRPr lang="en-US" dirty="0"/>
           </a:p>
@@ -9272,7 +9272,7 @@
           <a:p>
             <a:fld id="{B50EAF1A-FBE4-4C13-B325-EB911992163D}" type="datetime2">
               <a:rPr lang="en-US" smtClean="0"/>
-              <a:t>Saturday, April 14, 2018</a:t>
+              <a:t>Thursday, April 19, 2018</a:t>
             </a:fld>
             <a:endParaRPr lang="en-US" dirty="0"/>
           </a:p>
@@ -9415,7 +9415,7 @@
           <a:p>
             <a:fld id="{B306D9A1-3850-4615-8C75-2CB8A1C1E065}" type="datetime2">
               <a:rPr lang="en-US" smtClean="0"/>
-              <a:t>Saturday, April 14, 2018</a:t>
+              <a:t>Thursday, April 19, 2018</a:t>
             </a:fld>
             <a:endParaRPr lang="en-US" dirty="0"/>
           </a:p>
@@ -9607,7 +9607,7 @@
           <a:p>
             <a:fld id="{196DB839-D84A-4580-A32E-5A8DC3E81840}" type="datetime2">
               <a:rPr lang="en-US" smtClean="0"/>
-              <a:t>Saturday, April 14, 2018</a:t>
+              <a:t>Thursday, April 19, 2018</a:t>
             </a:fld>
             <a:endParaRPr lang="en-US" dirty="0"/>
           </a:p>
@@ -9749,7 +9749,7 @@
           <a:p>
             <a:fld id="{5FD6FA7F-CF8F-4783-9DE6-2D6149E8CE72}" type="datetime2">
               <a:rPr lang="en-US" smtClean="0"/>
-              <a:t>Saturday, April 14, 2018</a:t>
+              <a:t>Thursday, April 19, 2018</a:t>
             </a:fld>
             <a:endParaRPr lang="en-US" dirty="0"/>
           </a:p>
@@ -9884,7 +9884,7 @@
             </a:extLst>
           </p:cNvPr>
           <p:cNvPicPr>
-            <a:picLocks noGrp="1" noChangeAspect="1"/>
+            <a:picLocks noGrp="1"/>
           </p:cNvPicPr>
           <p:nvPr>
             <p:ph sz="half" idx="2"/>
@@ -9904,8 +9904,8 @@
         </p:blipFill>
         <p:spPr>
           <a:xfrm>
-            <a:off x="470187" y="1946091"/>
-            <a:ext cx="10588172" cy="2110326"/>
+            <a:off x="801915" y="1946091"/>
+            <a:ext cx="10515600" cy="1920240"/>
           </a:xfrm>
         </p:spPr>
       </p:pic>
@@ -9926,7 +9926,7 @@
           <a:p>
             <a:fld id="{196DB839-D84A-4580-A32E-5A8DC3E81840}" type="datetime2">
               <a:rPr lang="en-US" smtClean="0"/>
-              <a:t>Saturday, April 14, 2018</a:t>
+              <a:t>Thursday, April 19, 2018</a:t>
             </a:fld>
             <a:endParaRPr lang="en-US" dirty="0"/>
           </a:p>
@@ -9987,7 +9987,7 @@
             </a:extLst>
           </p:cNvPr>
           <p:cNvPicPr>
-            <a:picLocks noGrp="1" noChangeAspect="1"/>
+            <a:picLocks noGrp="1"/>
           </p:cNvPicPr>
           <p:nvPr>
             <p:ph sz="half" idx="14"/>
@@ -10007,8 +10007,8 @@
         </p:blipFill>
         <p:spPr>
           <a:xfrm>
-            <a:off x="516681" y="4273172"/>
-            <a:ext cx="10588171" cy="2103067"/>
+            <a:off x="801915" y="4273171"/>
+            <a:ext cx="10515600" cy="1920240"/>
           </a:xfrm>
         </p:spPr>
       </p:pic>
@@ -10096,7 +10096,7 @@
             </a:extLst>
           </p:cNvPr>
           <p:cNvPicPr>
-            <a:picLocks noGrp="1" noChangeAspect="1"/>
+            <a:picLocks noGrp="1"/>
           </p:cNvPicPr>
           <p:nvPr>
             <p:ph sz="half" idx="2"/>
@@ -10116,8 +10116,8 @@
         </p:blipFill>
         <p:spPr>
           <a:xfrm>
-            <a:off x="472149" y="1943639"/>
-            <a:ext cx="10769599" cy="2133599"/>
+            <a:off x="838200" y="1943639"/>
+            <a:ext cx="10515600" cy="1920240"/>
           </a:xfrm>
         </p:spPr>
       </p:pic>
@@ -10138,7 +10138,7 @@
           <a:p>
             <a:fld id="{196DB839-D84A-4580-A32E-5A8DC3E81840}" type="datetime2">
               <a:rPr lang="en-US" smtClean="0"/>
-              <a:t>Saturday, April 14, 2018</a:t>
+              <a:t>Thursday, April 19, 2018</a:t>
             </a:fld>
             <a:endParaRPr lang="en-US" dirty="0"/>
           </a:p>
@@ -10199,7 +10199,7 @@
             </a:extLst>
           </p:cNvPr>
           <p:cNvPicPr>
-            <a:picLocks noGrp="1" noChangeAspect="1"/>
+            <a:picLocks noGrp="1"/>
           </p:cNvPicPr>
           <p:nvPr>
             <p:ph sz="half" idx="14"/>
@@ -10219,8 +10219,8 @@
         </p:blipFill>
         <p:spPr>
           <a:xfrm>
-            <a:off x="503145" y="4266307"/>
-            <a:ext cx="10769600" cy="2128122"/>
+            <a:off x="838200" y="4266307"/>
+            <a:ext cx="10515600" cy="1920240"/>
           </a:xfrm>
         </p:spPr>
       </p:pic>
@@ -10308,7 +10308,7 @@
             </a:extLst>
           </p:cNvPr>
           <p:cNvPicPr>
-            <a:picLocks noGrp="1" noChangeAspect="1"/>
+            <a:picLocks noGrp="1"/>
           </p:cNvPicPr>
           <p:nvPr>
             <p:ph sz="half" idx="2"/>
@@ -10328,8 +10328,8 @@
         </p:blipFill>
         <p:spPr>
           <a:xfrm>
-            <a:off x="467166" y="1976540"/>
-            <a:ext cx="10776857" cy="1994622"/>
+            <a:off x="838200" y="1976540"/>
+            <a:ext cx="10515600" cy="1920240"/>
           </a:xfrm>
         </p:spPr>
       </p:pic>
@@ -10350,7 +10350,7 @@
           <a:p>
             <a:fld id="{196DB839-D84A-4580-A32E-5A8DC3E81840}" type="datetime2">
               <a:rPr lang="en-US" smtClean="0"/>
-              <a:t>Saturday, April 14, 2018</a:t>
+              <a:t>Thursday, April 19, 2018</a:t>
             </a:fld>
             <a:endParaRPr lang="en-US" dirty="0"/>
           </a:p>
@@ -10411,7 +10411,7 @@
             </a:extLst>
           </p:cNvPr>
           <p:cNvPicPr>
-            <a:picLocks noGrp="1" noChangeAspect="1"/>
+            <a:picLocks noGrp="1"/>
           </p:cNvPicPr>
           <p:nvPr>
             <p:ph sz="half" idx="14"/>
@@ -10431,8 +10431,8 @@
         </p:blipFill>
         <p:spPr>
           <a:xfrm>
-            <a:off x="482664" y="4197417"/>
-            <a:ext cx="10776857" cy="2059360"/>
+            <a:off x="838200" y="4197417"/>
+            <a:ext cx="10515600" cy="1920240"/>
           </a:xfrm>
         </p:spPr>
       </p:pic>
@@ -10540,7 +10540,7 @@
           <a:p>
             <a:fld id="{196DB839-D84A-4580-A32E-5A8DC3E81840}" type="datetime2">
               <a:rPr lang="en-US" smtClean="0"/>
-              <a:t>Saturday, April 14, 2018</a:t>
+              <a:t>Thursday, April 19, 2018</a:t>
             </a:fld>
             <a:endParaRPr lang="en-US" dirty="0"/>
           </a:p>
